--- a/Xây dựng web crawler bằng.pptx
+++ b/Xây dựng web crawler bằng.pptx
@@ -4109,6 +4109,18 @@
           <a:bodyPr/>
           <a:lstStyle/>
           <a:p>
+            <a:r>
+              <a:rPr lang="en-US" dirty="0" err="1" smtClean="0"/>
+              <a:t>Tạo</a:t>
+            </a:r>
+            <a:r>
+              <a:rPr lang="en-US" dirty="0"/>
+              <a:t> </a:t>
+            </a:r>
+            <a:r>
+              <a:rPr lang="en-US" dirty="0" smtClean="0"/>
+              <a:t>VPS</a:t>
+            </a:r>
             <a:endParaRPr lang="en-US" dirty="0"/>
           </a:p>
         </p:txBody>
